--- a/papers/journalSwarmControl/pictures/TransferRegionv2.pptx
+++ b/papers/journalSwarmControl/pictures/TransferRegionv2.pptx
@@ -3394,403 +3394,6 @@
           </a:fontRef>
         </p:style>
       </p:cxnSp>
-      <p:sp>
-        <p:nvSpPr>
-          <p:cNvPr id="39" name="Hexagon 38"/>
-          <p:cNvSpPr/>
-          <p:nvPr/>
-        </p:nvSpPr>
-        <p:spPr>
-          <a:xfrm rot="25011">
-            <a:off x="2892822" y="4679664"/>
-            <a:ext cx="149035" cy="137565"/>
-          </a:xfrm>
-          <a:prstGeom prst="hexagon">
-            <a:avLst/>
-          </a:prstGeom>
-          <a:solidFill>
-            <a:srgbClr val="38F838"/>
-          </a:solidFill>
-          <a:ln w="28575">
-            <a:solidFill>
-              <a:schemeClr val="tx1"/>
-            </a:solidFill>
-          </a:ln>
-        </p:spPr>
-        <p:style>
-          <a:lnRef idx="2">
-            <a:schemeClr val="accent1">
-              <a:shade val="50000"/>
-            </a:schemeClr>
-          </a:lnRef>
-          <a:fillRef idx="1">
-            <a:schemeClr val="accent1"/>
-          </a:fillRef>
-          <a:effectRef idx="0">
-            <a:schemeClr val="accent1"/>
-          </a:effectRef>
-          <a:fontRef idx="minor">
-            <a:schemeClr val="lt1"/>
-          </a:fontRef>
-        </p:style>
-        <p:txBody>
-          <a:bodyPr rtlCol="0" anchor="ctr"/>
-          <a:lstStyle/>
-          <a:p>
-            <a:pPr algn="ctr"/>
-            <a:endParaRPr lang="en-US" sz="1329" dirty="0">
-              <a:solidFill>
-                <a:sysClr val="windowText" lastClr="000000"/>
-              </a:solidFill>
-            </a:endParaRPr>
-          </a:p>
-        </p:txBody>
-      </p:sp>
-      <p:grpSp>
-        <p:nvGrpSpPr>
-          <p:cNvPr id="2" name="Group 1"/>
-          <p:cNvGrpSpPr/>
-          <p:nvPr/>
-        </p:nvGrpSpPr>
-        <p:grpSpPr>
-          <a:xfrm>
-            <a:off x="2902893" y="4922614"/>
-            <a:ext cx="128892" cy="357667"/>
-            <a:chOff x="2934043" y="1186505"/>
-            <a:chExt cx="128892" cy="357667"/>
-          </a:xfrm>
-        </p:grpSpPr>
-        <p:sp>
-          <p:nvSpPr>
-            <p:cNvPr id="38" name="Oval 37"/>
-            <p:cNvSpPr/>
-            <p:nvPr/>
-          </p:nvSpPr>
-          <p:spPr>
-            <a:xfrm>
-              <a:off x="2934043" y="1186505"/>
-              <a:ext cx="128892" cy="137260"/>
-            </a:xfrm>
-            <a:prstGeom prst="ellipse">
-              <a:avLst/>
-            </a:prstGeom>
-            <a:solidFill>
-              <a:srgbClr val="38F838"/>
-            </a:solidFill>
-            <a:ln w="19050">
-              <a:solidFill>
-                <a:srgbClr val="0000FF"/>
-              </a:solidFill>
-            </a:ln>
-          </p:spPr>
-          <p:style>
-            <a:lnRef idx="2">
-              <a:schemeClr val="accent1">
-                <a:shade val="50000"/>
-              </a:schemeClr>
-            </a:lnRef>
-            <a:fillRef idx="1">
-              <a:schemeClr val="accent1"/>
-            </a:fillRef>
-            <a:effectRef idx="0">
-              <a:schemeClr val="accent1"/>
-            </a:effectRef>
-            <a:fontRef idx="minor">
-              <a:schemeClr val="lt1"/>
-            </a:fontRef>
-          </p:style>
-          <p:txBody>
-            <a:bodyPr rot="0" spcFirstLastPara="0" vertOverflow="overflow" horzOverflow="overflow" vert="horz" wrap="square" lIns="101298" tIns="50649" rIns="101298" bIns="50649" numCol="1" spcCol="0" rtlCol="0" fromWordArt="0" anchor="ctr" anchorCtr="0" forceAA="0" compatLnSpc="1">
-              <a:prstTxWarp prst="textNoShape">
-                <a:avLst/>
-              </a:prstTxWarp>
-              <a:noAutofit/>
-            </a:bodyPr>
-            <a:lstStyle/>
-            <a:p>
-              <a:pPr algn="ctr"/>
-              <a:endParaRPr lang="en-US" sz="1994"/>
-            </a:p>
-          </p:txBody>
-        </p:sp>
-        <p:sp>
-          <p:nvSpPr>
-            <p:cNvPr id="33" name="Oval 32"/>
-            <p:cNvSpPr/>
-            <p:nvPr/>
-          </p:nvSpPr>
-          <p:spPr>
-            <a:xfrm>
-              <a:off x="2934043" y="1414935"/>
-              <a:ext cx="128892" cy="129237"/>
-            </a:xfrm>
-            <a:prstGeom prst="ellipse">
-              <a:avLst/>
-            </a:prstGeom>
-            <a:solidFill>
-              <a:schemeClr val="bg1">
-                <a:lumMod val="85000"/>
-              </a:schemeClr>
-            </a:solidFill>
-            <a:ln w="19050">
-              <a:solidFill>
-                <a:srgbClr val="FF0000"/>
-              </a:solidFill>
-            </a:ln>
-          </p:spPr>
-          <p:style>
-            <a:lnRef idx="2">
-              <a:schemeClr val="accent1">
-                <a:shade val="50000"/>
-              </a:schemeClr>
-            </a:lnRef>
-            <a:fillRef idx="1">
-              <a:schemeClr val="accent1"/>
-            </a:fillRef>
-            <a:effectRef idx="0">
-              <a:schemeClr val="accent1"/>
-            </a:effectRef>
-            <a:fontRef idx="minor">
-              <a:schemeClr val="lt1"/>
-            </a:fontRef>
-          </p:style>
-          <p:txBody>
-            <a:bodyPr rot="0" spcFirstLastPara="0" vertOverflow="overflow" horzOverflow="overflow" vert="horz" wrap="square" lIns="101298" tIns="50649" rIns="101298" bIns="50649" numCol="1" spcCol="0" rtlCol="0" fromWordArt="0" anchor="ctr" anchorCtr="0" forceAA="0" compatLnSpc="1">
-              <a:prstTxWarp prst="textNoShape">
-                <a:avLst/>
-              </a:prstTxWarp>
-              <a:noAutofit/>
-            </a:bodyPr>
-            <a:lstStyle/>
-            <a:p>
-              <a:pPr algn="ctr"/>
-              <a:endParaRPr lang="en-US" sz="1994"/>
-            </a:p>
-          </p:txBody>
-        </p:sp>
-      </p:grpSp>
-      <p:grpSp>
-        <p:nvGrpSpPr>
-          <p:cNvPr id="7" name="Group 6"/>
-          <p:cNvGrpSpPr/>
-          <p:nvPr/>
-        </p:nvGrpSpPr>
-        <p:grpSpPr>
-          <a:xfrm>
-            <a:off x="887697" y="4112374"/>
-            <a:ext cx="2330699" cy="1272144"/>
-            <a:chOff x="910625" y="376265"/>
-            <a:chExt cx="2330699" cy="1272144"/>
-          </a:xfrm>
-        </p:grpSpPr>
-        <p:sp>
-          <p:nvSpPr>
-            <p:cNvPr id="34" name="TextBox 33"/>
-            <p:cNvSpPr txBox="1"/>
-            <p:nvPr/>
-          </p:nvSpPr>
-          <p:spPr>
-            <a:xfrm>
-              <a:off x="910625" y="376265"/>
-              <a:ext cx="2330699" cy="1272144"/>
-            </a:xfrm>
-            <a:prstGeom prst="rect">
-              <a:avLst/>
-            </a:prstGeom>
-            <a:noFill/>
-            <a:ln w="28575">
-              <a:solidFill>
-                <a:srgbClr val="C00000"/>
-              </a:solidFill>
-            </a:ln>
-          </p:spPr>
-          <p:txBody>
-            <a:bodyPr wrap="square" rtlCol="0">
-              <a:spAutoFit/>
-            </a:bodyPr>
-            <a:lstStyle/>
-            <a:p>
-              <a:pPr>
-                <a:spcAft>
-                  <a:spcPts val="221"/>
-                </a:spcAft>
-              </a:pPr>
-              <a:r>
-                <a:rPr lang="en-US" sz="1400" b="1" dirty="0">
-                  <a:latin typeface="Times New Roman" panose="02020603050405020304" pitchFamily="18" charset="0"/>
-                  <a:cs typeface="Times New Roman" panose="02020603050405020304" pitchFamily="18" charset="0"/>
-                </a:rPr>
-                <a:t>Goal With Regions</a:t>
-              </a:r>
-            </a:p>
-            <a:p>
-              <a:pPr>
-                <a:spcAft>
-                  <a:spcPts val="221"/>
-                </a:spcAft>
-              </a:pPr>
-              <a:r>
-                <a:rPr lang="en-US" sz="1400" b="1">
-                  <a:latin typeface="Times New Roman" panose="02020603050405020304" pitchFamily="18" charset="0"/>
-                  <a:cs typeface="Times New Roman" panose="02020603050405020304" pitchFamily="18" charset="0"/>
-                </a:rPr>
-                <a:t>Goal Without </a:t>
-              </a:r>
-              <a:r>
-                <a:rPr lang="en-US" sz="1400" b="1" dirty="0">
-                  <a:latin typeface="Times New Roman" panose="02020603050405020304" pitchFamily="18" charset="0"/>
-                  <a:cs typeface="Times New Roman" panose="02020603050405020304" pitchFamily="18" charset="0"/>
-                </a:rPr>
-                <a:t>Regions</a:t>
-              </a:r>
-            </a:p>
-            <a:p>
-              <a:pPr>
-                <a:spcAft>
-                  <a:spcPts val="221"/>
-                </a:spcAft>
-              </a:pPr>
-              <a:r>
-                <a:rPr lang="en-US" sz="1400" b="1" dirty="0">
-                  <a:latin typeface="Times New Roman" panose="02020603050405020304" pitchFamily="18" charset="0"/>
-                  <a:cs typeface="Times New Roman" panose="02020603050405020304" pitchFamily="18" charset="0"/>
-                </a:rPr>
-                <a:t>Object</a:t>
-              </a:r>
-            </a:p>
-            <a:p>
-              <a:pPr>
-                <a:spcAft>
-                  <a:spcPts val="221"/>
-                </a:spcAft>
-              </a:pPr>
-              <a:r>
-                <a:rPr lang="en-US" sz="1400" b="1" dirty="0">
-                  <a:latin typeface="Times New Roman" panose="02020603050405020304" pitchFamily="18" charset="0"/>
-                  <a:cs typeface="Times New Roman" panose="02020603050405020304" pitchFamily="18" charset="0"/>
-                </a:rPr>
-                <a:t>Robots in Region</a:t>
-              </a:r>
-            </a:p>
-            <a:p>
-              <a:pPr>
-                <a:spcAft>
-                  <a:spcPts val="221"/>
-                </a:spcAft>
-              </a:pPr>
-              <a:r>
-                <a:rPr lang="en-US" sz="1400" b="1" dirty="0">
-                  <a:latin typeface="Times New Roman" panose="02020603050405020304" pitchFamily="18" charset="0"/>
-                  <a:cs typeface="Times New Roman" panose="02020603050405020304" pitchFamily="18" charset="0"/>
-                </a:rPr>
-                <a:t>Robots out of Region</a:t>
-              </a:r>
-            </a:p>
-          </p:txBody>
-        </p:sp>
-        <p:sp>
-          <p:nvSpPr>
-            <p:cNvPr id="41" name="Oval 40"/>
-            <p:cNvSpPr/>
-            <p:nvPr/>
-          </p:nvSpPr>
-          <p:spPr>
-            <a:xfrm>
-              <a:off x="2928900" y="686251"/>
-              <a:ext cx="128892" cy="137260"/>
-            </a:xfrm>
-            <a:prstGeom prst="ellipse">
-              <a:avLst/>
-            </a:prstGeom>
-            <a:noFill/>
-            <a:ln w="38100">
-              <a:solidFill>
-                <a:srgbClr val="FF0000"/>
-              </a:solidFill>
-            </a:ln>
-          </p:spPr>
-          <p:style>
-            <a:lnRef idx="2">
-              <a:schemeClr val="accent1">
-                <a:shade val="50000"/>
-              </a:schemeClr>
-            </a:lnRef>
-            <a:fillRef idx="1">
-              <a:schemeClr val="accent1"/>
-            </a:fillRef>
-            <a:effectRef idx="0">
-              <a:schemeClr val="accent1"/>
-            </a:effectRef>
-            <a:fontRef idx="minor">
-              <a:schemeClr val="lt1"/>
-            </a:fontRef>
-          </p:style>
-          <p:txBody>
-            <a:bodyPr rot="0" spcFirstLastPara="0" vertOverflow="overflow" horzOverflow="overflow" vert="horz" wrap="square" lIns="101298" tIns="50649" rIns="101298" bIns="50649" numCol="1" spcCol="0" rtlCol="0" fromWordArt="0" anchor="ctr" anchorCtr="0" forceAA="0" compatLnSpc="1">
-              <a:prstTxWarp prst="textNoShape">
-                <a:avLst/>
-              </a:prstTxWarp>
-              <a:noAutofit/>
-            </a:bodyPr>
-            <a:lstStyle/>
-            <a:p>
-              <a:pPr algn="ctr"/>
-              <a:endParaRPr lang="en-US" sz="1994"/>
-            </a:p>
-          </p:txBody>
-        </p:sp>
-        <p:sp>
-          <p:nvSpPr>
-            <p:cNvPr id="44" name="Oval 43"/>
-            <p:cNvSpPr/>
-            <p:nvPr/>
-          </p:nvSpPr>
-          <p:spPr>
-            <a:xfrm>
-              <a:off x="2934043" y="444147"/>
-              <a:ext cx="128892" cy="137260"/>
-            </a:xfrm>
-            <a:prstGeom prst="ellipse">
-              <a:avLst/>
-            </a:prstGeom>
-            <a:noFill/>
-            <a:ln w="38100">
-              <a:solidFill>
-                <a:schemeClr val="tx1"/>
-              </a:solidFill>
-            </a:ln>
-          </p:spPr>
-          <p:style>
-            <a:lnRef idx="2">
-              <a:schemeClr val="accent1">
-                <a:shade val="50000"/>
-              </a:schemeClr>
-            </a:lnRef>
-            <a:fillRef idx="1">
-              <a:schemeClr val="accent1"/>
-            </a:fillRef>
-            <a:effectRef idx="0">
-              <a:schemeClr val="accent1"/>
-            </a:effectRef>
-            <a:fontRef idx="minor">
-              <a:schemeClr val="lt1"/>
-            </a:fontRef>
-          </p:style>
-          <p:txBody>
-            <a:bodyPr rot="0" spcFirstLastPara="0" vertOverflow="overflow" horzOverflow="overflow" vert="horz" wrap="square" lIns="101298" tIns="50649" rIns="101298" bIns="50649" numCol="1" spcCol="0" rtlCol="0" fromWordArt="0" anchor="ctr" anchorCtr="0" forceAA="0" compatLnSpc="1">
-              <a:prstTxWarp prst="textNoShape">
-                <a:avLst/>
-              </a:prstTxWarp>
-              <a:noAutofit/>
-            </a:bodyPr>
-            <a:lstStyle/>
-            <a:p>
-              <a:pPr algn="ctr"/>
-              <a:endParaRPr lang="en-US" sz="1994"/>
-            </a:p>
-          </p:txBody>
-        </p:sp>
-      </p:grpSp>
       <p:cxnSp>
         <p:nvCxnSpPr>
           <p:cNvPr id="18" name="Straight Connector 17"/>
@@ -3836,7 +3439,7 @@
           <p:nvPr>
             <p:extLst>
               <p:ext uri="{D42A27DB-BD31-4B8C-83A1-F6EECF244321}">
-                <p14:modId xmlns:p14="http://schemas.microsoft.com/office/powerpoint/2010/main" val="49427973"/>
+                <p14:modId xmlns:p14="http://schemas.microsoft.com/office/powerpoint/2010/main" val="2897109504"/>
               </p:ext>
             </p:extLst>
           </p:nvPr>
@@ -3881,7 +3484,7 @@
                             </a:outerShdw>
                           </a:effectLst>
                         </a:rPr>
-                        <a:t>Transfer Region 1</a:t>
+                        <a:t>Transfer Region 2</a:t>
                       </a:r>
                     </a:p>
                   </a:txBody>
@@ -3918,7 +3521,7 @@
                             </a:outerShdw>
                           </a:effectLst>
                         </a:rPr>
-                        <a:t>Transfer Region 2</a:t>
+                        <a:t>Transfer Region 1</a:t>
                       </a:r>
                     </a:p>
                   </a:txBody>
@@ -3946,8 +3549,8 @@
         </p:nvSpPr>
         <p:spPr>
           <a:xfrm>
-            <a:off x="1335024" y="338328"/>
-            <a:ext cx="530352" cy="530352"/>
+            <a:off x="5614433" y="5059874"/>
+            <a:ext cx="363801" cy="363801"/>
           </a:xfrm>
           <a:prstGeom prst="ellipse">
             <a:avLst/>
@@ -3987,14 +3590,14 @@
       </p:sp>
       <p:sp>
         <p:nvSpPr>
-          <p:cNvPr id="21" name="Oval 20"/>
+          <p:cNvPr id="16" name="Oval 15"/>
           <p:cNvSpPr/>
           <p:nvPr/>
         </p:nvSpPr>
         <p:spPr>
           <a:xfrm>
-            <a:off x="5393813" y="4854166"/>
-            <a:ext cx="530352" cy="530352"/>
+            <a:off x="857017" y="346360"/>
+            <a:ext cx="363801" cy="363801"/>
           </a:xfrm>
           <a:prstGeom prst="ellipse">
             <a:avLst/>
